--- a/课件/后缀数组 网络流 杂题 mjt.pptx
+++ b/课件/后缀数组 网络流 杂题 mjt.pptx
@@ -235,7 +235,7 @@
           <a:p>
             <a:fld id="{603E8E1E-51BA-4E3E-94B4-519589A50C33}" type="datetimeFigureOut">
               <a:rPr lang="zh-CN" altLang="en-US" smtClean="0"/>
-              <a:t>2019/1/31</a:t>
+              <a:t>2022/1/3</a:t>
             </a:fld>
             <a:endParaRPr lang="zh-CN" altLang="en-US"/>
           </a:p>
@@ -1257,7 +1257,7 @@
           <a:p>
             <a:fld id="{FA76CE32-78AF-4382-9E63-5803BD0A2BA9}" type="datetimeFigureOut">
               <a:rPr lang="zh-CN" altLang="en-US" smtClean="0"/>
-              <a:t>2019/1/31</a:t>
+              <a:t>2022/1/3</a:t>
             </a:fld>
             <a:endParaRPr lang="zh-CN" altLang="en-US"/>
           </a:p>
@@ -1581,7 +1581,7 @@
           <a:p>
             <a:fld id="{FA76CE32-78AF-4382-9E63-5803BD0A2BA9}" type="datetimeFigureOut">
               <a:rPr lang="zh-CN" altLang="en-US" smtClean="0"/>
-              <a:t>2019/1/31</a:t>
+              <a:t>2022/1/3</a:t>
             </a:fld>
             <a:endParaRPr lang="zh-CN" altLang="en-US"/>
           </a:p>
@@ -1829,7 +1829,7 @@
           <a:p>
             <a:fld id="{FA76CE32-78AF-4382-9E63-5803BD0A2BA9}" type="datetimeFigureOut">
               <a:rPr lang="zh-CN" altLang="en-US" smtClean="0"/>
-              <a:t>2019/1/31</a:t>
+              <a:t>2022/1/3</a:t>
             </a:fld>
             <a:endParaRPr lang="zh-CN" altLang="en-US"/>
           </a:p>
@@ -2168,7 +2168,7 @@
           <a:p>
             <a:fld id="{FA76CE32-78AF-4382-9E63-5803BD0A2BA9}" type="datetimeFigureOut">
               <a:rPr lang="zh-CN" altLang="en-US" smtClean="0"/>
-              <a:t>2019/1/31</a:t>
+              <a:t>2022/1/3</a:t>
             </a:fld>
             <a:endParaRPr lang="zh-CN" altLang="en-US"/>
           </a:p>
@@ -2515,7 +2515,7 @@
           <a:p>
             <a:fld id="{FA76CE32-78AF-4382-9E63-5803BD0A2BA9}" type="datetimeFigureOut">
               <a:rPr lang="zh-CN" altLang="en-US" smtClean="0"/>
-              <a:t>2019/1/31</a:t>
+              <a:t>2022/1/3</a:t>
             </a:fld>
             <a:endParaRPr lang="zh-CN" altLang="en-US"/>
           </a:p>
@@ -2889,7 +2889,7 @@
           <a:p>
             <a:fld id="{FA76CE32-78AF-4382-9E63-5803BD0A2BA9}" type="datetimeFigureOut">
               <a:rPr lang="zh-CN" altLang="en-US" smtClean="0"/>
-              <a:t>2019/1/31</a:t>
+              <a:t>2022/1/3</a:t>
             </a:fld>
             <a:endParaRPr lang="zh-CN" altLang="en-US"/>
           </a:p>
@@ -3359,7 +3359,7 @@
           <a:p>
             <a:fld id="{FA76CE32-78AF-4382-9E63-5803BD0A2BA9}" type="datetimeFigureOut">
               <a:rPr lang="zh-CN" altLang="en-US" smtClean="0"/>
-              <a:t>2019/1/31</a:t>
+              <a:t>2022/1/3</a:t>
             </a:fld>
             <a:endParaRPr lang="zh-CN" altLang="en-US"/>
           </a:p>
@@ -3564,7 +3564,7 @@
           <a:p>
             <a:fld id="{FA76CE32-78AF-4382-9E63-5803BD0A2BA9}" type="datetimeFigureOut">
               <a:rPr lang="zh-CN" altLang="en-US" smtClean="0"/>
-              <a:t>2019/1/31</a:t>
+              <a:t>2022/1/3</a:t>
             </a:fld>
             <a:endParaRPr lang="zh-CN" altLang="en-US"/>
           </a:p>
@@ -3775,7 +3775,7 @@
           <a:p>
             <a:fld id="{FA76CE32-78AF-4382-9E63-5803BD0A2BA9}" type="datetimeFigureOut">
               <a:rPr lang="zh-CN" altLang="en-US" smtClean="0"/>
-              <a:t>2019/1/31</a:t>
+              <a:t>2022/1/3</a:t>
             </a:fld>
             <a:endParaRPr lang="zh-CN" altLang="en-US"/>
           </a:p>
@@ -4007,7 +4007,7 @@
           <a:p>
             <a:fld id="{FA76CE32-78AF-4382-9E63-5803BD0A2BA9}" type="datetimeFigureOut">
               <a:rPr lang="zh-CN" altLang="en-US" smtClean="0"/>
-              <a:t>2019/1/31</a:t>
+              <a:t>2022/1/3</a:t>
             </a:fld>
             <a:endParaRPr lang="zh-CN" altLang="en-US"/>
           </a:p>
@@ -4255,7 +4255,7 @@
           <a:p>
             <a:fld id="{FA76CE32-78AF-4382-9E63-5803BD0A2BA9}" type="datetimeFigureOut">
               <a:rPr lang="zh-CN" altLang="en-US" smtClean="0"/>
-              <a:t>2019/1/31</a:t>
+              <a:t>2022/1/3</a:t>
             </a:fld>
             <a:endParaRPr lang="zh-CN" altLang="en-US"/>
           </a:p>
@@ -4553,7 +4553,7 @@
           <a:p>
             <a:fld id="{FA76CE32-78AF-4382-9E63-5803BD0A2BA9}" type="datetimeFigureOut">
               <a:rPr lang="zh-CN" altLang="en-US" smtClean="0"/>
-              <a:t>2019/1/31</a:t>
+              <a:t>2022/1/3</a:t>
             </a:fld>
             <a:endParaRPr lang="zh-CN" altLang="en-US"/>
           </a:p>
@@ -4947,7 +4947,7 @@
           <a:p>
             <a:fld id="{FA76CE32-78AF-4382-9E63-5803BD0A2BA9}" type="datetimeFigureOut">
               <a:rPr lang="zh-CN" altLang="en-US" smtClean="0"/>
-              <a:t>2019/1/31</a:t>
+              <a:t>2022/1/3</a:t>
             </a:fld>
             <a:endParaRPr lang="zh-CN" altLang="en-US"/>
           </a:p>
@@ -5096,7 +5096,7 @@
           <a:p>
             <a:fld id="{FA76CE32-78AF-4382-9E63-5803BD0A2BA9}" type="datetimeFigureOut">
               <a:rPr lang="zh-CN" altLang="en-US" smtClean="0"/>
-              <a:t>2019/1/31</a:t>
+              <a:t>2022/1/3</a:t>
             </a:fld>
             <a:endParaRPr lang="zh-CN" altLang="en-US"/>
           </a:p>
@@ -5222,7 +5222,7 @@
           <a:p>
             <a:fld id="{FA76CE32-78AF-4382-9E63-5803BD0A2BA9}" type="datetimeFigureOut">
               <a:rPr lang="zh-CN" altLang="en-US" smtClean="0"/>
-              <a:t>2019/1/31</a:t>
+              <a:t>2022/1/3</a:t>
             </a:fld>
             <a:endParaRPr lang="zh-CN" altLang="en-US"/>
           </a:p>
@@ -5477,7 +5477,7 @@
           <a:p>
             <a:fld id="{FA76CE32-78AF-4382-9E63-5803BD0A2BA9}" type="datetimeFigureOut">
               <a:rPr lang="zh-CN" altLang="en-US" smtClean="0"/>
-              <a:t>2019/1/31</a:t>
+              <a:t>2022/1/3</a:t>
             </a:fld>
             <a:endParaRPr lang="zh-CN" altLang="en-US"/>
           </a:p>
@@ -5792,7 +5792,7 @@
           <a:p>
             <a:fld id="{FA76CE32-78AF-4382-9E63-5803BD0A2BA9}" type="datetimeFigureOut">
               <a:rPr lang="zh-CN" altLang="en-US" smtClean="0"/>
-              <a:t>2019/1/31</a:t>
+              <a:t>2022/1/3</a:t>
             </a:fld>
             <a:endParaRPr lang="zh-CN" altLang="en-US"/>
           </a:p>
@@ -6143,7 +6143,7 @@
           <a:p>
             <a:fld id="{FA76CE32-78AF-4382-9E63-5803BD0A2BA9}" type="datetimeFigureOut">
               <a:rPr lang="zh-CN" altLang="en-US" smtClean="0"/>
-              <a:t>2019/1/31</a:t>
+              <a:t>2022/1/3</a:t>
             </a:fld>
             <a:endParaRPr lang="zh-CN" altLang="en-US"/>
           </a:p>
@@ -6760,10 +6760,11 @@
           <a:lstStyle/>
           <a:p>
             <a:r>
-              <a:rPr lang="en-US" altLang="zh-CN" sz="2400" b="1" dirty="0" err="1">
+              <a:rPr lang="en-US" altLang="zh-CN" sz="2400" b="1" dirty="0">
                 <a:latin typeface="Bradley Hand ITC" panose="03070402050302030203" pitchFamily="66" charset="0"/>
-              </a:rPr>
-              <a:t>mjt</a:t>
+                <a:hlinkClick r:id="rId2"/>
+              </a:rPr>
+              <a:t>hwim</a:t>
             </a:r>
             <a:endParaRPr lang="zh-CN" altLang="en-US" sz="2400" b="1" dirty="0">
               <a:latin typeface="Bradley Hand ITC" panose="03070402050302030203" pitchFamily="66" charset="0"/>
